--- a/仕様書/ステージ.pptx
+++ b/仕様書/ステージ.pptx
@@ -6,6 +6,9 @@
   </p:sldMasterIdLst>
   <p:sldIdLst>
     <p:sldId id="256" r:id="rId2"/>
+    <p:sldId id="257" r:id="rId3"/>
+    <p:sldId id="258" r:id="rId4"/>
+    <p:sldId id="259" r:id="rId5"/>
   </p:sldIdLst>
   <p:sldSz cx="12192000" cy="6858000"/>
   <p:notesSz cx="6858000" cy="9144000"/>
@@ -104,6 +107,11 @@
       </a:defRPr>
     </a:lvl9pPr>
   </p:defaultTextStyle>
+  <p:extLst>
+    <p:ext uri="{EFAFB233-063F-42B5-8137-9DF3F51BA10A}">
+      <p15:sldGuideLst xmlns:p15="http://schemas.microsoft.com/office/powerpoint/2012/main"/>
+    </p:ext>
+  </p:extLst>
 </p:presentation>
 </file>
 
@@ -254,7 +262,7 @@
           <a:p>
             <a:fld id="{D593B3DE-E8EC-49B5-A11C-23571BDB43E2}" type="datetimeFigureOut">
               <a:rPr kumimoji="1" lang="ja-JP" altLang="en-US" smtClean="0"/>
-              <a:t>2026/2/5</a:t>
+              <a:t>2026/2/9</a:t>
             </a:fld>
             <a:endParaRPr kumimoji="1" lang="ja-JP" altLang="en-US"/>
           </a:p>
@@ -484,7 +492,7 @@
           <a:p>
             <a:fld id="{D593B3DE-E8EC-49B5-A11C-23571BDB43E2}" type="datetimeFigureOut">
               <a:rPr kumimoji="1" lang="ja-JP" altLang="en-US" smtClean="0"/>
-              <a:t>2026/2/5</a:t>
+              <a:t>2026/2/9</a:t>
             </a:fld>
             <a:endParaRPr kumimoji="1" lang="ja-JP" altLang="en-US"/>
           </a:p>
@@ -724,7 +732,7 @@
           <a:p>
             <a:fld id="{D593B3DE-E8EC-49B5-A11C-23571BDB43E2}" type="datetimeFigureOut">
               <a:rPr kumimoji="1" lang="ja-JP" altLang="en-US" smtClean="0"/>
-              <a:t>2026/2/5</a:t>
+              <a:t>2026/2/9</a:t>
             </a:fld>
             <a:endParaRPr kumimoji="1" lang="ja-JP" altLang="en-US"/>
           </a:p>
@@ -954,7 +962,7 @@
           <a:p>
             <a:fld id="{D593B3DE-E8EC-49B5-A11C-23571BDB43E2}" type="datetimeFigureOut">
               <a:rPr kumimoji="1" lang="ja-JP" altLang="en-US" smtClean="0"/>
-              <a:t>2026/2/5</a:t>
+              <a:t>2026/2/9</a:t>
             </a:fld>
             <a:endParaRPr kumimoji="1" lang="ja-JP" altLang="en-US"/>
           </a:p>
@@ -1229,7 +1237,7 @@
           <a:p>
             <a:fld id="{D593B3DE-E8EC-49B5-A11C-23571BDB43E2}" type="datetimeFigureOut">
               <a:rPr kumimoji="1" lang="ja-JP" altLang="en-US" smtClean="0"/>
-              <a:t>2026/2/5</a:t>
+              <a:t>2026/2/9</a:t>
             </a:fld>
             <a:endParaRPr kumimoji="1" lang="ja-JP" altLang="en-US"/>
           </a:p>
@@ -1558,7 +1566,7 @@
           <a:p>
             <a:fld id="{D593B3DE-E8EC-49B5-A11C-23571BDB43E2}" type="datetimeFigureOut">
               <a:rPr kumimoji="1" lang="ja-JP" altLang="en-US" smtClean="0"/>
-              <a:t>2026/2/5</a:t>
+              <a:t>2026/2/9</a:t>
             </a:fld>
             <a:endParaRPr kumimoji="1" lang="ja-JP" altLang="en-US"/>
           </a:p>
@@ -2034,7 +2042,7 @@
           <a:p>
             <a:fld id="{D593B3DE-E8EC-49B5-A11C-23571BDB43E2}" type="datetimeFigureOut">
               <a:rPr kumimoji="1" lang="ja-JP" altLang="en-US" smtClean="0"/>
-              <a:t>2026/2/5</a:t>
+              <a:t>2026/2/9</a:t>
             </a:fld>
             <a:endParaRPr kumimoji="1" lang="ja-JP" altLang="en-US"/>
           </a:p>
@@ -2175,7 +2183,7 @@
           <a:p>
             <a:fld id="{D593B3DE-E8EC-49B5-A11C-23571BDB43E2}" type="datetimeFigureOut">
               <a:rPr kumimoji="1" lang="ja-JP" altLang="en-US" smtClean="0"/>
-              <a:t>2026/2/5</a:t>
+              <a:t>2026/2/9</a:t>
             </a:fld>
             <a:endParaRPr kumimoji="1" lang="ja-JP" altLang="en-US"/>
           </a:p>
@@ -2288,7 +2296,7 @@
           <a:p>
             <a:fld id="{D593B3DE-E8EC-49B5-A11C-23571BDB43E2}" type="datetimeFigureOut">
               <a:rPr kumimoji="1" lang="ja-JP" altLang="en-US" smtClean="0"/>
-              <a:t>2026/2/5</a:t>
+              <a:t>2026/2/9</a:t>
             </a:fld>
             <a:endParaRPr kumimoji="1" lang="ja-JP" altLang="en-US"/>
           </a:p>
@@ -2631,7 +2639,7 @@
           <a:p>
             <a:fld id="{D593B3DE-E8EC-49B5-A11C-23571BDB43E2}" type="datetimeFigureOut">
               <a:rPr kumimoji="1" lang="ja-JP" altLang="en-US" smtClean="0"/>
-              <a:t>2026/2/5</a:t>
+              <a:t>2026/2/9</a:t>
             </a:fld>
             <a:endParaRPr kumimoji="1" lang="ja-JP" altLang="en-US"/>
           </a:p>
@@ -2919,7 +2927,7 @@
           <a:p>
             <a:fld id="{D593B3DE-E8EC-49B5-A11C-23571BDB43E2}" type="datetimeFigureOut">
               <a:rPr kumimoji="1" lang="ja-JP" altLang="en-US" smtClean="0"/>
-              <a:t>2026/2/5</a:t>
+              <a:t>2026/2/9</a:t>
             </a:fld>
             <a:endParaRPr kumimoji="1" lang="ja-JP" altLang="en-US"/>
           </a:p>
@@ -3192,7 +3200,7 @@
           <a:p>
             <a:fld id="{D593B3DE-E8EC-49B5-A11C-23571BDB43E2}" type="datetimeFigureOut">
               <a:rPr kumimoji="1" lang="ja-JP" altLang="en-US" smtClean="0"/>
-              <a:t>2026/2/5</a:t>
+              <a:t>2026/2/9</a:t>
             </a:fld>
             <a:endParaRPr kumimoji="1" lang="ja-JP" altLang="en-US"/>
           </a:p>
@@ -3646,10 +3654,10 @@
       </p:sp>
       <p:sp>
         <p:nvSpPr>
-          <p:cNvPr id="5" name="テキスト ボックス 4">
-            <a:extLst>
-              <a:ext uri="{FF2B5EF4-FFF2-40B4-BE49-F238E27FC236}">
-                <a16:creationId xmlns:a16="http://schemas.microsoft.com/office/drawing/2014/main" id="{B4D12ED6-0BA0-4EA1-9CF0-70286847DBB5}"/>
+          <p:cNvPr id="6" name="テキスト ボックス 5">
+            <a:extLst>
+              <a:ext uri="{FF2B5EF4-FFF2-40B4-BE49-F238E27FC236}">
+                <a16:creationId xmlns:a16="http://schemas.microsoft.com/office/drawing/2014/main" id="{360030E9-4504-468F-BEAF-125C3FC16C4A}"/>
               </a:ext>
             </a:extLst>
           </p:cNvPr>
@@ -3658,8 +3666,8 @@
         </p:nvSpPr>
         <p:spPr>
           <a:xfrm>
-            <a:off x="913070" y="3089560"/>
-            <a:ext cx="1234633" cy="369332"/>
+            <a:off x="913070" y="1612232"/>
+            <a:ext cx="7072770" cy="1200329"/>
           </a:xfrm>
           <a:prstGeom prst="rect">
             <a:avLst/>
@@ -3673,23 +3681,85 @@
           <a:lstStyle/>
           <a:p>
             <a:r>
+              <a:rPr lang="ja-JP" altLang="en-US" dirty="0"/>
+              <a:t>・ステージは合計３ステージで構成（増える可能性アリ）</a:t>
+            </a:r>
+            <a:endParaRPr lang="en-US" altLang="ja-JP" dirty="0"/>
+          </a:p>
+          <a:p>
+            <a:r>
               <a:rPr kumimoji="1" lang="ja-JP" altLang="en-US" dirty="0"/>
               <a:t>・</a:t>
             </a:r>
             <a:r>
-              <a:rPr kumimoji="1" lang="en-US" altLang="ja-JP" dirty="0" err="1"/>
-              <a:t>sssssss</a:t>
+              <a:rPr lang="en-US" altLang="ja-JP" dirty="0"/>
+              <a:t> 1</a:t>
+            </a:r>
+            <a:r>
+              <a:rPr kumimoji="1" lang="ja-JP" altLang="en-US" dirty="0"/>
+              <a:t>つ前のステージをクリアすることで次のステージに挑戦できる</a:t>
+            </a:r>
+            <a:endParaRPr kumimoji="1" lang="en-US" altLang="ja-JP" dirty="0"/>
+          </a:p>
+          <a:p>
+            <a:r>
+              <a:rPr lang="ja-JP" altLang="en-US" dirty="0"/>
+              <a:t>・ステージはすべて</a:t>
+            </a:r>
+            <a:r>
+              <a:rPr lang="en-US" altLang="ja-JP" dirty="0"/>
+              <a:t>2D</a:t>
+            </a:r>
+          </a:p>
+          <a:p>
+            <a:r>
+              <a:rPr kumimoji="1" lang="ja-JP" altLang="en-US" dirty="0"/>
+              <a:t>・</a:t>
+            </a:r>
+            <a:r>
+              <a:rPr lang="ja-JP" altLang="en-US" dirty="0"/>
+              <a:t>最終コースのゴールに到達したらクリア画面に遷移する</a:t>
             </a:r>
             <a:endParaRPr kumimoji="1" lang="ja-JP" altLang="en-US" dirty="0"/>
           </a:p>
         </p:txBody>
       </p:sp>
-      <p:sp>
-        <p:nvSpPr>
-          <p:cNvPr id="6" name="テキスト ボックス 5">
-            <a:extLst>
-              <a:ext uri="{FF2B5EF4-FFF2-40B4-BE49-F238E27FC236}">
-                <a16:creationId xmlns:a16="http://schemas.microsoft.com/office/drawing/2014/main" id="{360030E9-4504-468F-BEAF-125C3FC16C4A}"/>
+    </p:spTree>
+    <p:extLst>
+      <p:ext uri="{BB962C8B-B14F-4D97-AF65-F5344CB8AC3E}">
+        <p14:creationId xmlns:p14="http://schemas.microsoft.com/office/powerpoint/2010/main" val="2204788261"/>
+      </p:ext>
+    </p:extLst>
+  </p:cSld>
+  <p:clrMapOvr>
+    <a:masterClrMapping/>
+  </p:clrMapOvr>
+</p:sld>
+</file>
+
+<file path=ppt/slides/slide2.xml><?xml version="1.0" encoding="utf-8"?>
+<p:sld xmlns:a="http://schemas.openxmlformats.org/drawingml/2006/main" xmlns:r="http://schemas.openxmlformats.org/officeDocument/2006/relationships" xmlns:p="http://schemas.openxmlformats.org/presentationml/2006/main">
+  <p:cSld>
+    <p:spTree>
+      <p:nvGrpSpPr>
+        <p:cNvPr id="1" name=""/>
+        <p:cNvGrpSpPr/>
+        <p:nvPr/>
+      </p:nvGrpSpPr>
+      <p:grpSpPr>
+        <a:xfrm>
+          <a:off x="0" y="0"/>
+          <a:ext cx="0" cy="0"/>
+          <a:chOff x="0" y="0"/>
+          <a:chExt cx="0" cy="0"/>
+        </a:xfrm>
+      </p:grpSpPr>
+      <p:sp>
+        <p:nvSpPr>
+          <p:cNvPr id="2" name="テキスト ボックス 1">
+            <a:extLst>
+              <a:ext uri="{FF2B5EF4-FFF2-40B4-BE49-F238E27FC236}">
+                <a16:creationId xmlns:a16="http://schemas.microsoft.com/office/drawing/2014/main" id="{CE8AA18E-6D59-437F-AC92-1E351C38639B}"/>
               </a:ext>
             </a:extLst>
           </p:cNvPr>
@@ -3698,8 +3768,8 @@
         </p:nvSpPr>
         <p:spPr>
           <a:xfrm>
-            <a:off x="913070" y="1612232"/>
-            <a:ext cx="6186309" cy="369332"/>
+            <a:off x="-1" y="0"/>
+            <a:ext cx="1337733" cy="369332"/>
           </a:xfrm>
           <a:prstGeom prst="rect">
             <a:avLst/>
@@ -3707,25 +3777,29 @@
           <a:noFill/>
         </p:spPr>
         <p:txBody>
-          <a:bodyPr wrap="none" rtlCol="0">
+          <a:bodyPr wrap="square" rtlCol="0">
             <a:spAutoFit/>
           </a:bodyPr>
           <a:lstStyle/>
           <a:p>
             <a:r>
-              <a:rPr lang="ja-JP" altLang="en-US" dirty="0"/>
-              <a:t>・ステージは合計３ステージで構成（増える可能性アリ）</a:t>
-            </a:r>
-            <a:endParaRPr kumimoji="1" lang="ja-JP" altLang="en-US" dirty="0"/>
-          </a:p>
-        </p:txBody>
-      </p:sp>
-      <p:sp>
-        <p:nvSpPr>
-          <p:cNvPr id="7" name="テキスト ボックス 6">
-            <a:extLst>
-              <a:ext uri="{FF2B5EF4-FFF2-40B4-BE49-F238E27FC236}">
-                <a16:creationId xmlns:a16="http://schemas.microsoft.com/office/drawing/2014/main" id="{7ACD4D25-CFC1-4C62-AE9A-5578CB8E809B}"/>
+              <a:rPr kumimoji="1" lang="ja-JP" altLang="en-US" u="sng" dirty="0"/>
+              <a:t>ステージ</a:t>
+            </a:r>
+            <a:r>
+              <a:rPr kumimoji="1" lang="en-US" altLang="ja-JP" u="sng" dirty="0"/>
+              <a:t>1</a:t>
+            </a:r>
+            <a:endParaRPr kumimoji="1" lang="ja-JP" altLang="en-US" u="sng" dirty="0"/>
+          </a:p>
+        </p:txBody>
+      </p:sp>
+      <p:sp>
+        <p:nvSpPr>
+          <p:cNvPr id="3" name="テキスト ボックス 2">
+            <a:extLst>
+              <a:ext uri="{FF2B5EF4-FFF2-40B4-BE49-F238E27FC236}">
+                <a16:creationId xmlns:a16="http://schemas.microsoft.com/office/drawing/2014/main" id="{B9EE0FF3-EB3F-4416-A641-140B99D597B2}"/>
               </a:ext>
             </a:extLst>
           </p:cNvPr>
@@ -3734,8 +3808,8 @@
         </p:nvSpPr>
         <p:spPr>
           <a:xfrm>
-            <a:off x="913070" y="2351810"/>
-            <a:ext cx="2561920" cy="369332"/>
+            <a:off x="1879600" y="1270000"/>
+            <a:ext cx="7349067" cy="1938992"/>
           </a:xfrm>
           <a:prstGeom prst="rect">
             <a:avLst/>
@@ -3743,29 +3817,106 @@
           <a:noFill/>
         </p:spPr>
         <p:txBody>
-          <a:bodyPr wrap="none" rtlCol="0">
+          <a:bodyPr wrap="square" rtlCol="0">
             <a:spAutoFit/>
           </a:bodyPr>
           <a:lstStyle/>
           <a:p>
-            <a:r>
-              <a:rPr lang="ja-JP" altLang="en-US" dirty="0"/>
-              <a:t>・ステージはすべて</a:t>
-            </a:r>
-            <a:r>
-              <a:rPr lang="en-US" altLang="ja-JP" dirty="0"/>
-              <a:t>2D</a:t>
-            </a:r>
-            <a:endParaRPr kumimoji="1" lang="ja-JP" altLang="en-US" dirty="0"/>
-          </a:p>
-        </p:txBody>
-      </p:sp>
-      <p:sp>
-        <p:nvSpPr>
-          <p:cNvPr id="8" name="テキスト ボックス 7">
-            <a:extLst>
-              <a:ext uri="{FF2B5EF4-FFF2-40B4-BE49-F238E27FC236}">
-                <a16:creationId xmlns:a16="http://schemas.microsoft.com/office/drawing/2014/main" id="{DB156F8F-DD5C-4DA1-A3E0-373FB01DBC0D}"/>
+            <a:pPr marL="342900" indent="-342900">
+              <a:buFont typeface="Arial" panose="020B0604020202020204" pitchFamily="34" charset="0"/>
+              <a:buChar char="•"/>
+            </a:pPr>
+            <a:r>
+              <a:rPr kumimoji="1" lang="ja-JP" altLang="en-US" sz="2000" dirty="0"/>
+              <a:t>そこまで上下移動のない平地寄りのステージ</a:t>
+            </a:r>
+            <a:endParaRPr kumimoji="1" lang="en-US" altLang="ja-JP" sz="2000" dirty="0"/>
+          </a:p>
+          <a:p>
+            <a:pPr marL="342900" indent="-342900">
+              <a:buFont typeface="Arial" panose="020B0604020202020204" pitchFamily="34" charset="0"/>
+              <a:buChar char="•"/>
+            </a:pPr>
+            <a:r>
+              <a:rPr lang="ja-JP" altLang="en-US" sz="2000" dirty="0"/>
+              <a:t>難易度も低めでチュートリアルの延長のようなステージ</a:t>
+            </a:r>
+            <a:endParaRPr kumimoji="1" lang="en-US" altLang="ja-JP" sz="2000" dirty="0"/>
+          </a:p>
+          <a:p>
+            <a:pPr marL="342900" indent="-342900">
+              <a:buFont typeface="Arial" panose="020B0604020202020204" pitchFamily="34" charset="0"/>
+              <a:buChar char="•"/>
+            </a:pPr>
+            <a:r>
+              <a:rPr lang="ja-JP" altLang="en-US" sz="2000" dirty="0"/>
+              <a:t>敵の配置の割合は</a:t>
+            </a:r>
+            <a:endParaRPr lang="en-US" altLang="ja-JP" sz="2000" dirty="0"/>
+          </a:p>
+          <a:p>
+            <a:r>
+              <a:rPr kumimoji="1" lang="ja-JP" altLang="en-US" sz="2000" dirty="0"/>
+              <a:t>　・通常敵：４</a:t>
+            </a:r>
+            <a:endParaRPr kumimoji="1" lang="en-US" altLang="ja-JP" sz="2000" dirty="0"/>
+          </a:p>
+          <a:p>
+            <a:r>
+              <a:rPr lang="ja-JP" altLang="en-US" sz="2000" dirty="0"/>
+              <a:t>　</a:t>
+            </a:r>
+            <a:r>
+              <a:rPr kumimoji="1" lang="ja-JP" altLang="en-US" sz="2000" dirty="0"/>
+              <a:t>・ヘルメット敵：３</a:t>
+            </a:r>
+            <a:endParaRPr kumimoji="1" lang="en-US" altLang="ja-JP" sz="2000" dirty="0"/>
+          </a:p>
+          <a:p>
+            <a:r>
+              <a:rPr lang="ja-JP" altLang="en-US" sz="2000" dirty="0"/>
+              <a:t>　・盾敵：３</a:t>
+            </a:r>
+            <a:endParaRPr kumimoji="1" lang="ja-JP" altLang="en-US" sz="2000" dirty="0"/>
+          </a:p>
+        </p:txBody>
+      </p:sp>
+    </p:spTree>
+    <p:extLst>
+      <p:ext uri="{BB962C8B-B14F-4D97-AF65-F5344CB8AC3E}">
+        <p14:creationId xmlns:p14="http://schemas.microsoft.com/office/powerpoint/2010/main" val="2264715861"/>
+      </p:ext>
+    </p:extLst>
+  </p:cSld>
+  <p:clrMapOvr>
+    <a:masterClrMapping/>
+  </p:clrMapOvr>
+</p:sld>
+</file>
+
+<file path=ppt/slides/slide3.xml><?xml version="1.0" encoding="utf-8"?>
+<p:sld xmlns:a="http://schemas.openxmlformats.org/drawingml/2006/main" xmlns:r="http://schemas.openxmlformats.org/officeDocument/2006/relationships" xmlns:p="http://schemas.openxmlformats.org/presentationml/2006/main">
+  <p:cSld>
+    <p:spTree>
+      <p:nvGrpSpPr>
+        <p:cNvPr id="1" name=""/>
+        <p:cNvGrpSpPr/>
+        <p:nvPr/>
+      </p:nvGrpSpPr>
+      <p:grpSpPr>
+        <a:xfrm>
+          <a:off x="0" y="0"/>
+          <a:ext cx="0" cy="0"/>
+          <a:chOff x="0" y="0"/>
+          <a:chExt cx="0" cy="0"/>
+        </a:xfrm>
+      </p:grpSpPr>
+      <p:sp>
+        <p:nvSpPr>
+          <p:cNvPr id="2" name="テキスト ボックス 1">
+            <a:extLst>
+              <a:ext uri="{FF2B5EF4-FFF2-40B4-BE49-F238E27FC236}">
+                <a16:creationId xmlns:a16="http://schemas.microsoft.com/office/drawing/2014/main" id="{89E60654-3882-4C8E-AA28-21633EF3515D}"/>
               </a:ext>
             </a:extLst>
           </p:cNvPr>
@@ -3774,8 +3925,8 @@
         </p:nvSpPr>
         <p:spPr>
           <a:xfrm>
-            <a:off x="913070" y="2720228"/>
-            <a:ext cx="6186309" cy="369332"/>
+            <a:off x="0" y="0"/>
+            <a:ext cx="1557866" cy="369332"/>
           </a:xfrm>
           <a:prstGeom prst="rect">
             <a:avLst/>
@@ -3783,25 +3934,24 @@
           <a:noFill/>
         </p:spPr>
         <p:txBody>
-          <a:bodyPr wrap="none" rtlCol="0">
+          <a:bodyPr wrap="square" rtlCol="0">
             <a:spAutoFit/>
           </a:bodyPr>
           <a:lstStyle/>
           <a:p>
             <a:r>
-              <a:rPr lang="ja-JP" altLang="en-US" dirty="0"/>
-              <a:t>・最終コースのゴールに到達したらクリア画面に遷移する</a:t>
-            </a:r>
-            <a:endParaRPr kumimoji="1" lang="ja-JP" altLang="en-US" dirty="0"/>
-          </a:p>
-        </p:txBody>
-      </p:sp>
-      <p:sp>
-        <p:nvSpPr>
-          <p:cNvPr id="9" name="テキスト ボックス 8">
-            <a:extLst>
-              <a:ext uri="{FF2B5EF4-FFF2-40B4-BE49-F238E27FC236}">
-                <a16:creationId xmlns:a16="http://schemas.microsoft.com/office/drawing/2014/main" id="{A5DD6A3C-9A7F-4CBC-8933-3C7CAFACC37E}"/>
+              <a:rPr kumimoji="1" lang="ja-JP" altLang="en-US" u="sng" dirty="0"/>
+              <a:t>ステージ２</a:t>
+            </a:r>
+          </a:p>
+        </p:txBody>
+      </p:sp>
+      <p:sp>
+        <p:nvSpPr>
+          <p:cNvPr id="4" name="テキスト ボックス 3">
+            <a:extLst>
+              <a:ext uri="{FF2B5EF4-FFF2-40B4-BE49-F238E27FC236}">
+                <a16:creationId xmlns:a16="http://schemas.microsoft.com/office/drawing/2014/main" id="{8BDF5527-D5A5-48F3-8CB9-A91EEE089FA4}"/>
               </a:ext>
             </a:extLst>
           </p:cNvPr>
@@ -3810,8 +3960,8 @@
         </p:nvSpPr>
         <p:spPr>
           <a:xfrm>
-            <a:off x="913070" y="1981564"/>
-            <a:ext cx="7007046" cy="369332"/>
+            <a:off x="1998133" y="1253067"/>
+            <a:ext cx="7874000" cy="3170099"/>
           </a:xfrm>
           <a:prstGeom prst="rect">
             <a:avLst/>
@@ -3819,30 +3969,324 @@
           <a:noFill/>
         </p:spPr>
         <p:txBody>
-          <a:bodyPr wrap="none" rtlCol="0">
+          <a:bodyPr wrap="square" rtlCol="0">
             <a:spAutoFit/>
           </a:bodyPr>
           <a:lstStyle/>
           <a:p>
-            <a:r>
-              <a:rPr lang="ja-JP" altLang="en-US" dirty="0"/>
-              <a:t>・</a:t>
-            </a:r>
-            <a:r>
-              <a:rPr lang="en-US" altLang="ja-JP" dirty="0"/>
-              <a:t>1</a:t>
-            </a:r>
-            <a:r>
-              <a:rPr kumimoji="1" lang="ja-JP" altLang="en-US" dirty="0"/>
-              <a:t>つ前のステージをクリアすることで次のステージに挑戦できる</a:t>
-            </a:r>
+            <a:pPr marL="342900" indent="-342900">
+              <a:buFont typeface="Arial" panose="020B0604020202020204" pitchFamily="34" charset="0"/>
+              <a:buChar char="•"/>
+            </a:pPr>
+            <a:r>
+              <a:rPr kumimoji="1" lang="ja-JP" altLang="en-US" sz="2000" dirty="0"/>
+              <a:t>かなり上下の移動が激しいステージ</a:t>
+            </a:r>
+            <a:endParaRPr kumimoji="1" lang="en-US" altLang="ja-JP" sz="2000" dirty="0"/>
+          </a:p>
+          <a:p>
+            <a:pPr marL="342900" indent="-342900">
+              <a:buFont typeface="Arial" panose="020B0604020202020204" pitchFamily="34" charset="0"/>
+              <a:buChar char="•"/>
+            </a:pPr>
+            <a:r>
+              <a:rPr lang="ja-JP" altLang="en-US" sz="2000" dirty="0"/>
+              <a:t>ジャンプをメインで行動するステージ</a:t>
+            </a:r>
+            <a:endParaRPr kumimoji="1" lang="en-US" altLang="ja-JP" sz="2000" dirty="0"/>
+          </a:p>
+          <a:p>
+            <a:pPr marL="342900" indent="-342900">
+              <a:buFont typeface="Arial" panose="020B0604020202020204" pitchFamily="34" charset="0"/>
+              <a:buChar char="•"/>
+            </a:pPr>
+            <a:r>
+              <a:rPr kumimoji="1" lang="ja-JP" altLang="en-US" sz="2000" dirty="0"/>
+              <a:t>青状態でしか届かない高さの壁をいくつかつくる</a:t>
+            </a:r>
+            <a:endParaRPr kumimoji="1" lang="en-US" altLang="ja-JP" sz="2000" dirty="0"/>
+          </a:p>
+          <a:p>
+            <a:pPr marL="342900" indent="-342900">
+              <a:buFont typeface="Arial" panose="020B0604020202020204" pitchFamily="34" charset="0"/>
+              <a:buChar char="•"/>
+            </a:pPr>
+            <a:r>
+              <a:rPr lang="ja-JP" altLang="en-US" sz="2000" dirty="0"/>
+              <a:t>落ちたら即死の穴をいくつか配置する</a:t>
+            </a:r>
+            <a:endParaRPr kumimoji="1" lang="en-US" altLang="ja-JP" sz="2000" dirty="0"/>
+          </a:p>
+          <a:p>
+            <a:pPr marL="342900" indent="-342900">
+              <a:buFont typeface="Arial" panose="020B0604020202020204" pitchFamily="34" charset="0"/>
+              <a:buChar char="•"/>
+            </a:pPr>
+            <a:r>
+              <a:rPr lang="ja-JP" altLang="en-US" sz="2000" dirty="0"/>
+              <a:t>敵の配置の割合</a:t>
+            </a:r>
+            <a:endParaRPr lang="en-US" altLang="ja-JP" sz="2000" dirty="0"/>
+          </a:p>
+          <a:p>
+            <a:r>
+              <a:rPr lang="ja-JP" altLang="en-US" sz="2000" dirty="0"/>
+              <a:t>　・通常敵：２</a:t>
+            </a:r>
+            <a:endParaRPr lang="en-US" altLang="ja-JP" sz="2000" dirty="0"/>
+          </a:p>
+          <a:p>
+            <a:r>
+              <a:rPr kumimoji="1" lang="ja-JP" altLang="en-US" sz="2000" dirty="0"/>
+              <a:t>　・ヘルメット敵：４</a:t>
+            </a:r>
+            <a:endParaRPr kumimoji="1" lang="en-US" altLang="ja-JP" sz="2000" dirty="0"/>
+          </a:p>
+          <a:p>
+            <a:r>
+              <a:rPr lang="ja-JP" altLang="en-US" sz="2000" dirty="0"/>
+              <a:t>　・盾敵：３</a:t>
+            </a:r>
+            <a:endParaRPr lang="en-US" altLang="ja-JP" sz="2000" dirty="0"/>
+          </a:p>
+          <a:p>
+            <a:r>
+              <a:rPr lang="ja-JP" altLang="en-US" sz="2000" dirty="0"/>
+              <a:t>　・その他の敵：１</a:t>
+            </a:r>
+            <a:endParaRPr lang="en-US" altLang="ja-JP" sz="2000" dirty="0"/>
+          </a:p>
+          <a:p>
+            <a:pPr marL="342900" indent="-342900">
+              <a:buFont typeface="Arial" panose="020B0604020202020204" pitchFamily="34" charset="0"/>
+              <a:buChar char="•"/>
+            </a:pPr>
+            <a:r>
+              <a:rPr kumimoji="1" lang="ja-JP" altLang="en-US" sz="2000" dirty="0"/>
+              <a:t>ステージ中盤で黄色敵を出現させる</a:t>
+            </a:r>
+            <a:endParaRPr kumimoji="1" lang="en-US" altLang="ja-JP" sz="2000" dirty="0"/>
           </a:p>
         </p:txBody>
       </p:sp>
     </p:spTree>
     <p:extLst>
       <p:ext uri="{BB962C8B-B14F-4D97-AF65-F5344CB8AC3E}">
-        <p14:creationId xmlns:p14="http://schemas.microsoft.com/office/powerpoint/2010/main" val="2204788261"/>
+        <p14:creationId xmlns:p14="http://schemas.microsoft.com/office/powerpoint/2010/main" val="2380970752"/>
+      </p:ext>
+    </p:extLst>
+  </p:cSld>
+  <p:clrMapOvr>
+    <a:masterClrMapping/>
+  </p:clrMapOvr>
+</p:sld>
+</file>
+
+<file path=ppt/slides/slide4.xml><?xml version="1.0" encoding="utf-8"?>
+<p:sld xmlns:a="http://schemas.openxmlformats.org/drawingml/2006/main" xmlns:r="http://schemas.openxmlformats.org/officeDocument/2006/relationships" xmlns:p="http://schemas.openxmlformats.org/presentationml/2006/main">
+  <p:cSld>
+    <p:spTree>
+      <p:nvGrpSpPr>
+        <p:cNvPr id="1" name=""/>
+        <p:cNvGrpSpPr/>
+        <p:nvPr/>
+      </p:nvGrpSpPr>
+      <p:grpSpPr>
+        <a:xfrm>
+          <a:off x="0" y="0"/>
+          <a:ext cx="0" cy="0"/>
+          <a:chOff x="0" y="0"/>
+          <a:chExt cx="0" cy="0"/>
+        </a:xfrm>
+      </p:grpSpPr>
+      <p:sp>
+        <p:nvSpPr>
+          <p:cNvPr id="2" name="テキスト ボックス 1">
+            <a:extLst>
+              <a:ext uri="{FF2B5EF4-FFF2-40B4-BE49-F238E27FC236}">
+                <a16:creationId xmlns:a16="http://schemas.microsoft.com/office/drawing/2014/main" id="{60A21F5C-ED3C-4DC9-813C-D9E25EC2BF12}"/>
+              </a:ext>
+            </a:extLst>
+          </p:cNvPr>
+          <p:cNvSpPr txBox="1"/>
+          <p:nvPr/>
+        </p:nvSpPr>
+        <p:spPr>
+          <a:xfrm>
+            <a:off x="0" y="20135"/>
+            <a:ext cx="1693334" cy="369332"/>
+          </a:xfrm>
+          <a:prstGeom prst="rect">
+            <a:avLst/>
+          </a:prstGeom>
+          <a:noFill/>
+        </p:spPr>
+        <p:txBody>
+          <a:bodyPr wrap="square" rtlCol="0">
+            <a:spAutoFit/>
+          </a:bodyPr>
+          <a:lstStyle/>
+          <a:p>
+            <a:r>
+              <a:rPr kumimoji="1" lang="ja-JP" altLang="en-US" u="sng" dirty="0"/>
+              <a:t>ステージ</a:t>
+            </a:r>
+            <a:r>
+              <a:rPr kumimoji="1" lang="en-US" altLang="ja-JP" u="sng" dirty="0"/>
+              <a:t>3</a:t>
+            </a:r>
+            <a:endParaRPr kumimoji="1" lang="ja-JP" altLang="en-US" u="sng" dirty="0"/>
+          </a:p>
+        </p:txBody>
+      </p:sp>
+      <p:sp>
+        <p:nvSpPr>
+          <p:cNvPr id="3" name="テキスト ボックス 2">
+            <a:extLst>
+              <a:ext uri="{FF2B5EF4-FFF2-40B4-BE49-F238E27FC236}">
+                <a16:creationId xmlns:a16="http://schemas.microsoft.com/office/drawing/2014/main" id="{7AF8E4DE-97CE-4BE6-93C3-7AB0CE0FB2EE}"/>
+              </a:ext>
+            </a:extLst>
+          </p:cNvPr>
+          <p:cNvSpPr txBox="1"/>
+          <p:nvPr/>
+        </p:nvSpPr>
+        <p:spPr>
+          <a:xfrm>
+            <a:off x="2048933" y="1354666"/>
+            <a:ext cx="8094133" cy="3170099"/>
+          </a:xfrm>
+          <a:prstGeom prst="rect">
+            <a:avLst/>
+          </a:prstGeom>
+          <a:noFill/>
+        </p:spPr>
+        <p:txBody>
+          <a:bodyPr wrap="square" rtlCol="0">
+            <a:spAutoFit/>
+          </a:bodyPr>
+          <a:lstStyle/>
+          <a:p>
+            <a:pPr marL="342900" indent="-342900">
+              <a:buFont typeface="Arial" panose="020B0604020202020204" pitchFamily="34" charset="0"/>
+              <a:buChar char="•"/>
+            </a:pPr>
+            <a:r>
+              <a:rPr lang="ja-JP" altLang="en-US" sz="2000" dirty="0"/>
+              <a:t>上下移動もあり、ステージ自体もかなり長いステージ</a:t>
+            </a:r>
+            <a:endParaRPr lang="en-US" altLang="ja-JP" sz="2000" dirty="0"/>
+          </a:p>
+          <a:p>
+            <a:pPr marL="342900" indent="-342900">
+              <a:buFont typeface="Arial" panose="020B0604020202020204" pitchFamily="34" charset="0"/>
+              <a:buChar char="•"/>
+            </a:pPr>
+            <a:r>
+              <a:rPr kumimoji="1" lang="ja-JP" altLang="en-US" sz="2000" dirty="0"/>
+              <a:t>ステージにもギミックを追加する</a:t>
+            </a:r>
+            <a:r>
+              <a:rPr kumimoji="1" lang="en-US" altLang="ja-JP" sz="2000" dirty="0"/>
+              <a:t>(</a:t>
+            </a:r>
+            <a:r>
+              <a:rPr kumimoji="1" lang="ja-JP" altLang="en-US" sz="2000" dirty="0"/>
+              <a:t>棘ブロックや動く床など</a:t>
+            </a:r>
+            <a:r>
+              <a:rPr kumimoji="1" lang="en-US" altLang="ja-JP" sz="2000" dirty="0"/>
+              <a:t>)</a:t>
+            </a:r>
+          </a:p>
+          <a:p>
+            <a:pPr marL="342900" indent="-342900">
+              <a:buFont typeface="Arial" panose="020B0604020202020204" pitchFamily="34" charset="0"/>
+              <a:buChar char="•"/>
+            </a:pPr>
+            <a:r>
+              <a:rPr kumimoji="1" lang="ja-JP" altLang="en-US" sz="2000" dirty="0"/>
+              <a:t>即死の落とし穴をいくつか配置</a:t>
+            </a:r>
+            <a:endParaRPr kumimoji="1" lang="en-US" altLang="ja-JP" sz="2000" dirty="0"/>
+          </a:p>
+          <a:p>
+            <a:pPr marL="342900" indent="-342900">
+              <a:buFont typeface="Arial" panose="020B0604020202020204" pitchFamily="34" charset="0"/>
+              <a:buChar char="•"/>
+            </a:pPr>
+            <a:r>
+              <a:rPr lang="ja-JP" altLang="en-US" sz="2000" dirty="0"/>
+              <a:t>このステージには通常敵を出現させない</a:t>
+            </a:r>
+            <a:endParaRPr lang="en-US" altLang="ja-JP" sz="2000" dirty="0"/>
+          </a:p>
+          <a:p>
+            <a:pPr marL="342900" indent="-342900">
+              <a:buFont typeface="Arial" panose="020B0604020202020204" pitchFamily="34" charset="0"/>
+              <a:buChar char="•"/>
+            </a:pPr>
+            <a:r>
+              <a:rPr kumimoji="1" lang="ja-JP" altLang="en-US" sz="2000" dirty="0"/>
+              <a:t>敵の配置の割合は</a:t>
+            </a:r>
+            <a:endParaRPr kumimoji="1" lang="en-US" altLang="ja-JP" sz="2000" dirty="0"/>
+          </a:p>
+          <a:p>
+            <a:r>
+              <a:rPr lang="ja-JP" altLang="en-US" sz="2000" dirty="0"/>
+              <a:t>　・ヘルメット敵：</a:t>
+            </a:r>
+            <a:r>
+              <a:rPr lang="en-US" altLang="ja-JP" sz="2000" dirty="0"/>
+              <a:t>4</a:t>
+            </a:r>
+          </a:p>
+          <a:p>
+            <a:r>
+              <a:rPr lang="ja-JP" altLang="en-US" sz="2000" dirty="0"/>
+              <a:t>　・盾敵：</a:t>
+            </a:r>
+            <a:r>
+              <a:rPr lang="en-US" altLang="ja-JP" sz="2000" dirty="0"/>
+              <a:t>4</a:t>
+            </a:r>
+          </a:p>
+          <a:p>
+            <a:r>
+              <a:rPr lang="ja-JP" altLang="en-US" sz="2000" dirty="0"/>
+              <a:t>　・その他の敵：２</a:t>
+            </a:r>
+            <a:endParaRPr lang="en-US" altLang="ja-JP" sz="2000" dirty="0"/>
+          </a:p>
+          <a:p>
+            <a:pPr marL="342900" indent="-342900">
+              <a:buFont typeface="Arial" panose="020B0604020202020204" pitchFamily="34" charset="0"/>
+              <a:buChar char="•"/>
+            </a:pPr>
+            <a:r>
+              <a:rPr lang="ja-JP" altLang="en-US" sz="2000" dirty="0"/>
+              <a:t>ステージの行きにくい場所や敵が多い場所に黄色敵を配置する</a:t>
+            </a:r>
+            <a:endParaRPr lang="en-US" altLang="ja-JP" sz="2000" dirty="0"/>
+          </a:p>
+          <a:p>
+            <a:pPr marL="342900" indent="-342900">
+              <a:buFont typeface="Arial" panose="020B0604020202020204" pitchFamily="34" charset="0"/>
+              <a:buChar char="•"/>
+            </a:pPr>
+            <a:r>
+              <a:rPr lang="ja-JP" altLang="en-US" sz="2000" dirty="0"/>
+              <a:t>ステージ終盤に完全武装敵を出現させる</a:t>
+            </a:r>
+            <a:endParaRPr lang="en-US" altLang="ja-JP" sz="2000" dirty="0"/>
+          </a:p>
+        </p:txBody>
+      </p:sp>
+    </p:spTree>
+    <p:extLst>
+      <p:ext uri="{BB962C8B-B14F-4D97-AF65-F5344CB8AC3E}">
+        <p14:creationId xmlns:p14="http://schemas.microsoft.com/office/powerpoint/2010/main" val="1822763500"/>
       </p:ext>
     </p:extLst>
   </p:cSld>
